--- a/climbersbetaproposal.pptx
+++ b/climbersbetaproposal.pptx
@@ -110,6 +110,22 @@
       </a:defRPr>
     </a:lvl9pPr>
   </p:defaultTextStyle>
+  <p:extLst>
+    <p:ext uri="{EFAFB233-063F-42B5-8137-9DF3F51BA10A}">
+      <p15:sldGuideLst xmlns:p15="http://schemas.microsoft.com/office/powerpoint/2012/main">
+        <p15:guide id="1" orient="horz" pos="2160">
+          <p15:clr>
+            <a:srgbClr val="A4A3A4"/>
+          </p15:clr>
+        </p15:guide>
+        <p15:guide id="2" pos="3840">
+          <p15:clr>
+            <a:srgbClr val="A4A3A4"/>
+          </p15:clr>
+        </p15:guide>
+      </p15:sldGuideLst>
+    </p:ext>
+  </p:extLst>
 </p:presentation>
 </file>
 
@@ -309,7 +325,7 @@
           <a:p>
             <a:fld id="{233292A5-8A0C-4CF1-90C3-704E0EE63730}" type="datetimeFigureOut">
               <a:rPr lang="en-US" smtClean="0"/>
-              <a:t>3/6/19</a:t>
+              <a:t>3/12/2019</a:t>
             </a:fld>
             <a:endParaRPr lang="en-US"/>
           </a:p>
@@ -420,7 +436,7 @@
   </p:clrMapOvr>
   <p:extLst>
     <p:ext uri="{DCECCB84-F9BA-43D5-87BE-67443E8EF086}">
-      <p15:sldGuideLst xmlns:p15="http://schemas.microsoft.com/office/powerpoint/2012/main" xmlns=""/>
+      <p15:sldGuideLst xmlns:p15="http://schemas.microsoft.com/office/powerpoint/2012/main"/>
     </p:ext>
   </p:extLst>
 </p:sldLayout>
@@ -535,7 +551,7 @@
           <a:p>
             <a:fld id="{233292A5-8A0C-4CF1-90C3-704E0EE63730}" type="datetimeFigureOut">
               <a:rPr lang="en-US" smtClean="0"/>
-              <a:t>3/6/19</a:t>
+              <a:t>3/12/2019</a:t>
             </a:fld>
             <a:endParaRPr lang="en-US"/>
           </a:p>
@@ -715,7 +731,7 @@
           <a:p>
             <a:fld id="{233292A5-8A0C-4CF1-90C3-704E0EE63730}" type="datetimeFigureOut">
               <a:rPr lang="en-US" smtClean="0"/>
-              <a:t>3/6/19</a:t>
+              <a:t>3/12/2019</a:t>
             </a:fld>
             <a:endParaRPr lang="en-US"/>
           </a:p>
@@ -885,7 +901,7 @@
           <a:p>
             <a:fld id="{233292A5-8A0C-4CF1-90C3-704E0EE63730}" type="datetimeFigureOut">
               <a:rPr lang="en-US" smtClean="0"/>
-              <a:t>3/6/19</a:t>
+              <a:t>3/12/2019</a:t>
             </a:fld>
             <a:endParaRPr lang="en-US"/>
           </a:p>
@@ -1136,7 +1152,7 @@
           <a:p>
             <a:fld id="{233292A5-8A0C-4CF1-90C3-704E0EE63730}" type="datetimeFigureOut">
               <a:rPr lang="en-US" smtClean="0"/>
-              <a:t>3/6/19</a:t>
+              <a:t>3/12/2019</a:t>
             </a:fld>
             <a:endParaRPr lang="en-US"/>
           </a:p>
@@ -1459,7 +1475,7 @@
           <a:p>
             <a:fld id="{233292A5-8A0C-4CF1-90C3-704E0EE63730}" type="datetimeFigureOut">
               <a:rPr lang="en-US" smtClean="0"/>
-              <a:t>3/6/19</a:t>
+              <a:t>3/12/2019</a:t>
             </a:fld>
             <a:endParaRPr lang="en-US"/>
           </a:p>
@@ -1883,7 +1899,7 @@
           <a:p>
             <a:fld id="{233292A5-8A0C-4CF1-90C3-704E0EE63730}" type="datetimeFigureOut">
               <a:rPr lang="en-US" smtClean="0"/>
-              <a:t>3/6/19</a:t>
+              <a:t>3/12/2019</a:t>
             </a:fld>
             <a:endParaRPr lang="en-US"/>
           </a:p>
@@ -2001,7 +2017,7 @@
           <a:p>
             <a:fld id="{233292A5-8A0C-4CF1-90C3-704E0EE63730}" type="datetimeFigureOut">
               <a:rPr lang="en-US" smtClean="0"/>
-              <a:t>3/6/19</a:t>
+              <a:t>3/12/2019</a:t>
             </a:fld>
             <a:endParaRPr lang="en-US"/>
           </a:p>
@@ -2096,7 +2112,7 @@
           <a:p>
             <a:fld id="{233292A5-8A0C-4CF1-90C3-704E0EE63730}" type="datetimeFigureOut">
               <a:rPr lang="en-US" smtClean="0"/>
-              <a:t>3/6/19</a:t>
+              <a:t>3/12/2019</a:t>
             </a:fld>
             <a:endParaRPr lang="en-US"/>
           </a:p>
@@ -2156,7 +2172,7 @@
   </p:clrMapOvr>
   <p:extLst>
     <p:ext uri="{DCECCB84-F9BA-43D5-87BE-67443E8EF086}">
-      <p15:sldGuideLst xmlns:p15="http://schemas.microsoft.com/office/powerpoint/2012/main" xmlns=""/>
+      <p15:sldGuideLst xmlns:p15="http://schemas.microsoft.com/office/powerpoint/2012/main"/>
     </p:ext>
   </p:extLst>
 </p:sldLayout>
@@ -2391,7 +2407,7 @@
           <a:p>
             <a:fld id="{233292A5-8A0C-4CF1-90C3-704E0EE63730}" type="datetimeFigureOut">
               <a:rPr lang="en-US" smtClean="0"/>
-              <a:t>3/6/19</a:t>
+              <a:t>3/12/2019</a:t>
             </a:fld>
             <a:endParaRPr lang="en-US"/>
           </a:p>
@@ -2451,7 +2467,7 @@
   </p:clrMapOvr>
   <p:extLst>
     <p:ext uri="{DCECCB84-F9BA-43D5-87BE-67443E8EF086}">
-      <p15:sldGuideLst xmlns:p15="http://schemas.microsoft.com/office/powerpoint/2012/main" xmlns=""/>
+      <p15:sldGuideLst xmlns:p15="http://schemas.microsoft.com/office/powerpoint/2012/main"/>
     </p:ext>
   </p:extLst>
 </p:sldLayout>
@@ -2668,7 +2684,7 @@
           <a:p>
             <a:fld id="{233292A5-8A0C-4CF1-90C3-704E0EE63730}" type="datetimeFigureOut">
               <a:rPr lang="en-US" smtClean="0"/>
-              <a:t>3/6/19</a:t>
+              <a:t>3/12/2019</a:t>
             </a:fld>
             <a:endParaRPr lang="en-US"/>
           </a:p>
@@ -2922,7 +2938,7 @@
           <a:p>
             <a:fld id="{233292A5-8A0C-4CF1-90C3-704E0EE63730}" type="datetimeFigureOut">
               <a:rPr lang="en-US" smtClean="0"/>
-              <a:t>3/6/19</a:t>
+              <a:t>3/12/2019</a:t>
             </a:fld>
             <a:endParaRPr lang="en-US"/>
           </a:p>
@@ -3365,7 +3381,7 @@
   </p:txStyles>
   <p:extLst>
     <p:ext uri="{27BBF7A9-308A-43DC-89C8-2F10F3537804}">
-      <p15:sldGuideLst xmlns:p15="http://schemas.microsoft.com/office/powerpoint/2012/main" xmlns=""/>
+      <p15:sldGuideLst xmlns:p15="http://schemas.microsoft.com/office/powerpoint/2012/main"/>
     </p:ext>
   </p:extLst>
 </p:sldMaster>
@@ -3393,7 +3409,7 @@
           <p:cNvPr id="2" name="Title 1">
             <a:extLst>
               <a:ext uri="{FF2B5EF4-FFF2-40B4-BE49-F238E27FC236}">
-                <a16:creationId xmlns:a16="http://schemas.microsoft.com/office/drawing/2014/main" xmlns="" id="{B5D53D8C-207C-4ECE-ACED-49DA8586B184}"/>
+                <a16:creationId xmlns:a16="http://schemas.microsoft.com/office/drawing/2014/main" id="{B5D53D8C-207C-4ECE-ACED-49DA8586B184}"/>
               </a:ext>
             </a:extLst>
           </p:cNvPr>
@@ -3421,7 +3437,7 @@
           <p:cNvPr id="3" name="Subtitle 2">
             <a:extLst>
               <a:ext uri="{FF2B5EF4-FFF2-40B4-BE49-F238E27FC236}">
-                <a16:creationId xmlns:a16="http://schemas.microsoft.com/office/drawing/2014/main" xmlns="" id="{D9CD4A8F-3C96-4C94-A0B2-A45AD8BDDE8C}"/>
+                <a16:creationId xmlns:a16="http://schemas.microsoft.com/office/drawing/2014/main" id="{D9CD4A8F-3C96-4C94-A0B2-A45AD8BDDE8C}"/>
               </a:ext>
             </a:extLst>
           </p:cNvPr>
@@ -3454,13 +3470,6 @@
   <p:clrMapOvr>
     <a:masterClrMapping/>
   </p:clrMapOvr>
-  <p:timing>
-    <p:tnLst>
-      <p:par>
-        <p:cTn xmlns:p14="http://schemas.microsoft.com/office/powerpoint/2010/main" id="1" dur="indefinite" restart="never" nodeType="tmRoot"/>
-      </p:par>
-    </p:tnLst>
-  </p:timing>
 </p:sld>
 </file>
 
@@ -3486,7 +3495,7 @@
           <p:cNvPr id="2" name="Title 1">
             <a:extLst>
               <a:ext uri="{FF2B5EF4-FFF2-40B4-BE49-F238E27FC236}">
-                <a16:creationId xmlns:a16="http://schemas.microsoft.com/office/drawing/2014/main" xmlns="" id="{D74FAB0C-685F-4229-96A3-18E51BC7F553}"/>
+                <a16:creationId xmlns:a16="http://schemas.microsoft.com/office/drawing/2014/main" id="{D74FAB0C-685F-4229-96A3-18E51BC7F553}"/>
               </a:ext>
             </a:extLst>
           </p:cNvPr>
@@ -3515,7 +3524,7 @@
           <p:cNvPr id="3" name="Content Placeholder 2">
             <a:extLst>
               <a:ext uri="{FF2B5EF4-FFF2-40B4-BE49-F238E27FC236}">
-                <a16:creationId xmlns:a16="http://schemas.microsoft.com/office/drawing/2014/main" xmlns="" id="{50008B4A-D433-4C5B-83B5-29F3CC79655B}"/>
+                <a16:creationId xmlns:a16="http://schemas.microsoft.com/office/drawing/2014/main" id="{50008B4A-D433-4C5B-83B5-29F3CC79655B}"/>
               </a:ext>
             </a:extLst>
           </p:cNvPr>
@@ -3535,31 +3544,7 @@
           <a:p>
             <a:r>
               <a:rPr lang="en-US" sz="2600" dirty="0"/>
-              <a:t>Climbing, can be an individual sport; If you plan on bouldering or </a:t>
-            </a:r>
-            <a:r>
-              <a:rPr lang="en-US" sz="2600" dirty="0" smtClean="0"/>
-              <a:t>soloing, however</a:t>
-            </a:r>
-            <a:r>
-              <a:rPr lang="en-US" sz="2600" dirty="0"/>
-              <a:t>, sport(top-rope) and traditional </a:t>
-            </a:r>
-            <a:r>
-              <a:rPr lang="en-US" sz="2600" dirty="0" smtClean="0"/>
-              <a:t>climbing </a:t>
-            </a:r>
-            <a:r>
-              <a:rPr lang="en-US" sz="2600" dirty="0"/>
-              <a:t>require a partner for belaying </a:t>
-            </a:r>
-            <a:r>
-              <a:rPr lang="en-US" sz="2600" dirty="0" smtClean="0"/>
-              <a:t>and </a:t>
-            </a:r>
-            <a:r>
-              <a:rPr lang="en-US" sz="2600" dirty="0"/>
-              <a:t>help with beta(route insight). </a:t>
+              <a:t>Climbing, can be an individual sport; If you plan on bouldering or soloing, however, sport(top-rope) and traditional climbing require a partner for belaying and help with beta(route insight). </a:t>
             </a:r>
           </a:p>
           <a:p>
@@ -3571,27 +3556,7 @@
           <a:p>
             <a:r>
               <a:rPr lang="en-US" sz="2600" dirty="0"/>
-              <a:t>Maybe you </a:t>
-            </a:r>
-            <a:r>
-              <a:rPr lang="en-US" sz="2600" dirty="0" smtClean="0"/>
-              <a:t>spent </a:t>
-            </a:r>
-            <a:r>
-              <a:rPr lang="en-US" sz="2600" dirty="0"/>
-              <a:t>2 days driving to </a:t>
-            </a:r>
-            <a:r>
-              <a:rPr lang="en-US" sz="2600" dirty="0"/>
-              <a:t>a</a:t>
-            </a:r>
-            <a:r>
-              <a:rPr lang="en-US" sz="2600" dirty="0" smtClean="0"/>
-              <a:t> </a:t>
-            </a:r>
-            <a:r>
-              <a:rPr lang="en-US" sz="2600" dirty="0"/>
-              <a:t>new location and forgot some equipment?</a:t>
+              <a:t>Maybe you spent 2 days driving to a new location and forgot some equipment?</a:t>
             </a:r>
           </a:p>
           <a:p>
@@ -3612,13 +3577,6 @@
   <p:clrMapOvr>
     <a:masterClrMapping/>
   </p:clrMapOvr>
-  <p:timing>
-    <p:tnLst>
-      <p:par>
-        <p:cTn xmlns:p14="http://schemas.microsoft.com/office/powerpoint/2010/main" id="1" dur="indefinite" restart="never" nodeType="tmRoot"/>
-      </p:par>
-    </p:tnLst>
-  </p:timing>
 </p:sld>
 </file>
 
@@ -3644,7 +3602,7 @@
           <p:cNvPr id="2" name="Title 1">
             <a:extLst>
               <a:ext uri="{FF2B5EF4-FFF2-40B4-BE49-F238E27FC236}">
-                <a16:creationId xmlns:a16="http://schemas.microsoft.com/office/drawing/2014/main" xmlns="" id="{ACD083A6-BF25-4EC0-9D8D-0AF94CD4ECF3}"/>
+                <a16:creationId xmlns:a16="http://schemas.microsoft.com/office/drawing/2014/main" id="{ACD083A6-BF25-4EC0-9D8D-0AF94CD4ECF3}"/>
               </a:ext>
             </a:extLst>
           </p:cNvPr>
@@ -3673,7 +3631,7 @@
           <p:cNvPr id="3" name="Content Placeholder 2">
             <a:extLst>
               <a:ext uri="{FF2B5EF4-FFF2-40B4-BE49-F238E27FC236}">
-                <a16:creationId xmlns:a16="http://schemas.microsoft.com/office/drawing/2014/main" xmlns="" id="{26B2290B-2F77-4675-8E86-1DF2867AF55C}"/>
+                <a16:creationId xmlns:a16="http://schemas.microsoft.com/office/drawing/2014/main" id="{26B2290B-2F77-4675-8E86-1DF2867AF55C}"/>
               </a:ext>
             </a:extLst>
           </p:cNvPr>
@@ -3696,33 +3654,24 @@
           <a:p>
             <a:r>
               <a:rPr lang="en-US" sz="2400" dirty="0"/>
-              <a:t>An application that organizes and displays information for climbing routes in various locations around the </a:t>
-            </a:r>
-            <a:r>
-              <a:rPr lang="en-US" sz="2400" dirty="0" smtClean="0"/>
-              <a:t>world</a:t>
-            </a:r>
-          </a:p>
-          <a:p>
-            <a:r>
-              <a:rPr lang="en-US" sz="2400" dirty="0" smtClean="0"/>
+              <a:t>An application that organizes and displays information for climbing routes in various locations around the world</a:t>
+            </a:r>
+          </a:p>
+          <a:p>
+            <a:r>
+              <a:rPr lang="en-US" sz="2400" dirty="0"/>
               <a:t>A way for climbers to link up and find</a:t>
             </a:r>
             <a:r>
               <a:rPr lang="en-US" dirty="0"/>
-              <a:t> </a:t>
-            </a:r>
-            <a:r>
-              <a:rPr lang="en-US" dirty="0" smtClean="0"/>
-              <a:t>other climbers that may be in their same climbing grade</a:t>
-            </a:r>
-          </a:p>
-          <a:p>
-            <a:r>
-              <a:rPr lang="en-US" sz="2400" dirty="0" smtClean="0"/>
+              <a:t> other climbers that may be in their same climbing grade</a:t>
+            </a:r>
+          </a:p>
+          <a:p>
+            <a:r>
+              <a:rPr lang="en-US" sz="2400" dirty="0"/>
               <a:t>A platform for climbers to share their experiences and insight while on the wall(beta, big wall climbing)</a:t>
             </a:r>
-            <a:endParaRPr lang="en-US" sz="2400" dirty="0"/>
           </a:p>
         </p:txBody>
       </p:sp>
@@ -3731,7 +3680,7 @@
           <p:cNvPr id="10" name="Content Placeholder 9">
             <a:extLst>
               <a:ext uri="{FF2B5EF4-FFF2-40B4-BE49-F238E27FC236}">
-                <a16:creationId xmlns:a16="http://schemas.microsoft.com/office/drawing/2014/main" xmlns="" id="{3A1E87E7-C62F-4426-ABF4-1CA14A4CD115}"/>
+                <a16:creationId xmlns:a16="http://schemas.microsoft.com/office/drawing/2014/main" id="{3A1E87E7-C62F-4426-ABF4-1CA14A4CD115}"/>
               </a:ext>
             </a:extLst>
           </p:cNvPr>
@@ -3771,13 +3720,6 @@
   <p:clrMapOvr>
     <a:masterClrMapping/>
   </p:clrMapOvr>
-  <p:timing>
-    <p:tnLst>
-      <p:par>
-        <p:cTn xmlns:p14="http://schemas.microsoft.com/office/powerpoint/2010/main" id="1" dur="indefinite" restart="never" nodeType="tmRoot"/>
-      </p:par>
-    </p:tnLst>
-  </p:timing>
 </p:sld>
 </file>
 
@@ -3803,7 +3745,7 @@
           <p:cNvPr id="2" name="Title 1">
             <a:extLst>
               <a:ext uri="{FF2B5EF4-FFF2-40B4-BE49-F238E27FC236}">
-                <a16:creationId xmlns:a16="http://schemas.microsoft.com/office/drawing/2014/main" xmlns="" id="{FAC669D4-D452-430F-BF1F-59D92B495111}"/>
+                <a16:creationId xmlns:a16="http://schemas.microsoft.com/office/drawing/2014/main" id="{FAC669D4-D452-430F-BF1F-59D92B495111}"/>
               </a:ext>
             </a:extLst>
           </p:cNvPr>
@@ -3832,7 +3774,7 @@
           <p:cNvPr id="3" name="Content Placeholder 2">
             <a:extLst>
               <a:ext uri="{FF2B5EF4-FFF2-40B4-BE49-F238E27FC236}">
-                <a16:creationId xmlns:a16="http://schemas.microsoft.com/office/drawing/2014/main" xmlns="" id="{70908D86-A9F4-4BC5-934E-5D39EFA6641D}"/>
+                <a16:creationId xmlns:a16="http://schemas.microsoft.com/office/drawing/2014/main" id="{70908D86-A9F4-4BC5-934E-5D39EFA6641D}"/>
               </a:ext>
             </a:extLst>
           </p:cNvPr>
@@ -3852,27 +3794,7 @@
           <a:p>
             <a:r>
               <a:rPr lang="en-US" sz="2800" dirty="0"/>
-              <a:t>Organizes and displays information </a:t>
-            </a:r>
-            <a:r>
-              <a:rPr lang="en-US" sz="2800" dirty="0" smtClean="0"/>
-              <a:t>regarding locations</a:t>
-            </a:r>
-            <a:r>
-              <a:rPr lang="en-US" sz="2800" dirty="0"/>
-              <a:t> </a:t>
-            </a:r>
-            <a:r>
-              <a:rPr lang="en-US" sz="2800" dirty="0" smtClean="0"/>
-              <a:t>and </a:t>
-            </a:r>
-            <a:r>
-              <a:rPr lang="en-US" sz="2800" dirty="0" smtClean="0"/>
-              <a:t>routes</a:t>
-            </a:r>
-            <a:r>
-              <a:rPr lang="en-US" sz="2800" dirty="0"/>
-              <a:t>(route identifying, beta, images, detailed descriptions, ratings, </a:t>
+              <a:t>Organizes and displays information regarding locations and routes(route identifying, beta, images, detailed descriptions, ratings, </a:t>
             </a:r>
             <a:r>
               <a:rPr lang="en-US" sz="2800" dirty="0" err="1"/>
@@ -3924,13 +3846,6 @@
   <p:clrMapOvr>
     <a:masterClrMapping/>
   </p:clrMapOvr>
-  <p:timing>
-    <p:tnLst>
-      <p:par>
-        <p:cTn xmlns:p14="http://schemas.microsoft.com/office/powerpoint/2010/main" id="1" dur="indefinite" restart="never" nodeType="tmRoot"/>
-      </p:par>
-    </p:tnLst>
-  </p:timing>
 </p:sld>
 </file>
 
@@ -3956,7 +3871,7 @@
           <p:cNvPr id="2" name="Title 1">
             <a:extLst>
               <a:ext uri="{FF2B5EF4-FFF2-40B4-BE49-F238E27FC236}">
-                <a16:creationId xmlns:a16="http://schemas.microsoft.com/office/drawing/2014/main" xmlns="" id="{41B88B36-BDBB-4AA6-ADDE-227B05D03DE6}"/>
+                <a16:creationId xmlns:a16="http://schemas.microsoft.com/office/drawing/2014/main" id="{41B88B36-BDBB-4AA6-ADDE-227B05D03DE6}"/>
               </a:ext>
             </a:extLst>
           </p:cNvPr>
@@ -3985,7 +3900,7 @@
           <p:cNvPr id="3" name="Content Placeholder 2">
             <a:extLst>
               <a:ext uri="{FF2B5EF4-FFF2-40B4-BE49-F238E27FC236}">
-                <a16:creationId xmlns:a16="http://schemas.microsoft.com/office/drawing/2014/main" xmlns="" id="{1B290190-16C1-45EC-BB8B-F3205FF148EB}"/>
+                <a16:creationId xmlns:a16="http://schemas.microsoft.com/office/drawing/2014/main" id="{1B290190-16C1-45EC-BB8B-F3205FF148EB}"/>
               </a:ext>
             </a:extLst>
           </p:cNvPr>
@@ -4003,6 +3918,12 @@
           <a:p>
             <a:r>
               <a:rPr lang="en-US" sz="2800" dirty="0"/>
+              <a:t>Minimum Android 4.3 (Jelly Bean API 18) </a:t>
+            </a:r>
+          </a:p>
+          <a:p>
+            <a:r>
+              <a:rPr lang="en-US" sz="2800" dirty="0"/>
               <a:t>Internet connectivity</a:t>
             </a:r>
           </a:p>
@@ -4015,7 +3936,13 @@
           <a:p>
             <a:r>
               <a:rPr lang="en-US" sz="2800" dirty="0"/>
-              <a:t>Data Storage(depending on how much is downloaded for offline access)</a:t>
+              <a:t>Data Storage Space</a:t>
+            </a:r>
+          </a:p>
+          <a:p>
+            <a:r>
+              <a:rPr lang="en-US" sz="2800" dirty="0"/>
+              <a:t>Etc.</a:t>
             </a:r>
           </a:p>
           <a:p>
@@ -4036,13 +3963,6 @@
   <p:clrMapOvr>
     <a:masterClrMapping/>
   </p:clrMapOvr>
-  <p:timing>
-    <p:tnLst>
-      <p:par>
-        <p:cTn xmlns:p14="http://schemas.microsoft.com/office/powerpoint/2010/main" id="1" dur="indefinite" restart="never" nodeType="tmRoot"/>
-      </p:par>
-    </p:tnLst>
-  </p:timing>
 </p:sld>
 </file>
 
@@ -4068,7 +3988,7 @@
           <p:cNvPr id="2" name="Title 1">
             <a:extLst>
               <a:ext uri="{FF2B5EF4-FFF2-40B4-BE49-F238E27FC236}">
-                <a16:creationId xmlns:a16="http://schemas.microsoft.com/office/drawing/2014/main" xmlns="" id="{2DD6B8E7-9020-4F28-B5D4-50BCAF8EC5A0}"/>
+                <a16:creationId xmlns:a16="http://schemas.microsoft.com/office/drawing/2014/main" id="{2DD6B8E7-9020-4F28-B5D4-50BCAF8EC5A0}"/>
               </a:ext>
             </a:extLst>
           </p:cNvPr>
@@ -4097,7 +4017,7 @@
           <p:cNvPr id="3" name="Content Placeholder 2">
             <a:extLst>
               <a:ext uri="{FF2B5EF4-FFF2-40B4-BE49-F238E27FC236}">
-                <a16:creationId xmlns:a16="http://schemas.microsoft.com/office/drawing/2014/main" xmlns="" id="{A3928355-B414-4FB4-B8E5-042E73ADB469}"/>
+                <a16:creationId xmlns:a16="http://schemas.microsoft.com/office/drawing/2014/main" id="{A3928355-B414-4FB4-B8E5-042E73ADB469}"/>
               </a:ext>
             </a:extLst>
           </p:cNvPr>
@@ -4111,7 +4031,7 @@
         <p:spPr/>
         <p:txBody>
           <a:bodyPr>
-            <a:normAutofit/>
+            <a:normAutofit fontScale="92500" lnSpcReduction="20000"/>
           </a:bodyPr>
           <a:lstStyle/>
           <a:p>
@@ -4131,7 +4051,7 @@
             </a:pPr>
             <a:r>
               <a:rPr lang="en-US" sz="3200" dirty="0"/>
-              <a:t>Display of data, account functionality</a:t>
+              <a:t>Display of data, API integration, account functionality</a:t>
             </a:r>
           </a:p>
           <a:p>
@@ -4141,7 +4061,7 @@
             </a:pPr>
             <a:r>
               <a:rPr lang="en-US" sz="3200" dirty="0"/>
-              <a:t>Messaging board functionality</a:t>
+              <a:t>Messaging board/classifieds functionality</a:t>
             </a:r>
           </a:p>
           <a:p>
@@ -4171,7 +4091,7 @@
           <p:cNvPr id="9" name="Content Placeholder 8">
             <a:extLst>
               <a:ext uri="{FF2B5EF4-FFF2-40B4-BE49-F238E27FC236}">
-                <a16:creationId xmlns:a16="http://schemas.microsoft.com/office/drawing/2014/main" xmlns="" id="{7FBA090A-2618-45E2-9C71-96DC7763D211}"/>
+                <a16:creationId xmlns:a16="http://schemas.microsoft.com/office/drawing/2014/main" id="{7FBA090A-2618-45E2-9C71-96DC7763D211}"/>
               </a:ext>
             </a:extLst>
           </p:cNvPr>
@@ -4211,13 +4131,6 @@
   <p:clrMapOvr>
     <a:masterClrMapping/>
   </p:clrMapOvr>
-  <p:timing>
-    <p:tnLst>
-      <p:par>
-        <p:cTn xmlns:p14="http://schemas.microsoft.com/office/powerpoint/2010/main" id="1" dur="indefinite" restart="never" nodeType="tmRoot"/>
-      </p:par>
-    </p:tnLst>
-  </p:timing>
 </p:sld>
 </file>
 
@@ -4243,7 +4156,7 @@
           <p:cNvPr id="2" name="Title 1">
             <a:extLst>
               <a:ext uri="{FF2B5EF4-FFF2-40B4-BE49-F238E27FC236}">
-                <a16:creationId xmlns:a16="http://schemas.microsoft.com/office/drawing/2014/main" xmlns="" id="{88A0FF82-80FF-402D-A340-11677E3AA9AD}"/>
+                <a16:creationId xmlns:a16="http://schemas.microsoft.com/office/drawing/2014/main" id="{88A0FF82-80FF-402D-A340-11677E3AA9AD}"/>
               </a:ext>
             </a:extLst>
           </p:cNvPr>
@@ -4267,31 +4180,76 @@
           </a:p>
         </p:txBody>
       </p:sp>
-      <p:sp>
-        <p:nvSpPr>
-          <p:cNvPr id="3" name="Content Placeholder 2">
+      <p:pic>
+        <p:nvPicPr>
+          <p:cNvPr id="7" name="Content Placeholder 6">
             <a:extLst>
               <a:ext uri="{FF2B5EF4-FFF2-40B4-BE49-F238E27FC236}">
-                <a16:creationId xmlns:a16="http://schemas.microsoft.com/office/drawing/2014/main" xmlns="" id="{0D9A464C-646C-4F1F-B852-E4995C93119C}"/>
+                <a16:creationId xmlns:a16="http://schemas.microsoft.com/office/drawing/2014/main" id="{458E3D16-B8D0-4620-BB7C-98A31F7B62C2}"/>
               </a:ext>
             </a:extLst>
           </p:cNvPr>
-          <p:cNvSpPr>
-            <a:spLocks noGrp="1"/>
-          </p:cNvSpPr>
-          <p:nvPr>
-            <p:ph idx="1"/>
-          </p:nvPr>
-        </p:nvSpPr>
-        <p:spPr/>
-        <p:txBody>
-          <a:bodyPr/>
-          <a:lstStyle/>
-          <a:p>
-            <a:endParaRPr lang="en-US" dirty="0"/>
-          </a:p>
-        </p:txBody>
-      </p:sp>
+          <p:cNvPicPr>
+            <a:picLocks noGrp="1" noChangeAspect="1"/>
+          </p:cNvPicPr>
+          <p:nvPr>
+            <p:ph sz="half" idx="1"/>
+          </p:nvPr>
+        </p:nvPicPr>
+        <p:blipFill>
+          <a:blip r:embed="rId2">
+            <a:extLst>
+              <a:ext uri="{28A0092B-C50C-407E-A947-70E740481C1C}">
+                <a14:useLocalDpi xmlns:a14="http://schemas.microsoft.com/office/drawing/2010/main" val="0"/>
+              </a:ext>
+            </a:extLst>
+          </a:blip>
+          <a:stretch>
+            <a:fillRect/>
+          </a:stretch>
+        </p:blipFill>
+        <p:spPr>
+          <a:xfrm>
+            <a:off x="2385667" y="2057400"/>
+            <a:ext cx="2269229" cy="4022725"/>
+          </a:xfrm>
+        </p:spPr>
+      </p:pic>
+      <p:pic>
+        <p:nvPicPr>
+          <p:cNvPr id="4" name="Content Placeholder 3">
+            <a:extLst>
+              <a:ext uri="{FF2B5EF4-FFF2-40B4-BE49-F238E27FC236}">
+                <a16:creationId xmlns:a16="http://schemas.microsoft.com/office/drawing/2014/main" id="{E12D7444-00B1-4B6B-AFE5-F61F5A788D0B}"/>
+              </a:ext>
+            </a:extLst>
+          </p:cNvPr>
+          <p:cNvPicPr>
+            <a:picLocks noGrp="1" noChangeAspect="1"/>
+          </p:cNvPicPr>
+          <p:nvPr>
+            <p:ph sz="half" idx="2"/>
+          </p:nvPr>
+        </p:nvPicPr>
+        <p:blipFill>
+          <a:blip r:embed="rId3">
+            <a:extLst>
+              <a:ext uri="{28A0092B-C50C-407E-A947-70E740481C1C}">
+                <a14:useLocalDpi xmlns:a14="http://schemas.microsoft.com/office/drawing/2010/main" val="0"/>
+              </a:ext>
+            </a:extLst>
+          </a:blip>
+          <a:stretch>
+            <a:fillRect/>
+          </a:stretch>
+        </p:blipFill>
+        <p:spPr>
+          <a:xfrm>
+            <a:off x="6267450" y="2285801"/>
+            <a:ext cx="4754563" cy="3565922"/>
+          </a:xfrm>
+        </p:spPr>
+      </p:pic>
     </p:spTree>
     <p:extLst>
       <p:ext uri="{BB962C8B-B14F-4D97-AF65-F5344CB8AC3E}">
@@ -4302,13 +4260,6 @@
   <p:clrMapOvr>
     <a:masterClrMapping/>
   </p:clrMapOvr>
-  <p:timing>
-    <p:tnLst>
-      <p:par>
-        <p:cTn xmlns:p14="http://schemas.microsoft.com/office/powerpoint/2010/main" id="1" dur="indefinite" restart="never" nodeType="tmRoot"/>
-      </p:par>
-    </p:tnLst>
-  </p:timing>
 </p:sld>
 </file>
 
@@ -4543,7 +4494,7 @@
   <a:extraClrSchemeLst/>
   <a:extLst>
     <a:ext uri="{05A4C25C-085E-4340-85A3-A5531E510DB2}">
-      <thm15:themeFamily xmlns:thm15="http://schemas.microsoft.com/office/thememl/2012/main" xmlns="" name="Basis" id="{5665723A-49BA-4B57-8411-A56F8F207965}" vid="{90E45F77-AEFC-46EF-A7C1-5B338C297B02}"/>
+      <thm15:themeFamily xmlns:thm15="http://schemas.microsoft.com/office/thememl/2012/main" name="Basis" id="{5665723A-49BA-4B57-8411-A56F8F207965}" vid="{90E45F77-AEFC-46EF-A7C1-5B338C297B02}"/>
     </a:ext>
   </a:extLst>
 </a:theme>
